--- a/CRC Cards.pptx
+++ b/CRC Cards.pptx
@@ -132,6 +132,11 @@
       </a:defRPr>
     </a:lvl9pPr>
   </p:defaultTextStyle>
+  <p:extLst>
+    <p:ext uri="{EFAFB233-063F-42B5-8137-9DF3F51BA10A}">
+      <p15:sldGuideLst xmlns:p15="http://schemas.microsoft.com/office/powerpoint/2012/main"/>
+    </p:ext>
+  </p:extLst>
 </p:presentation>
 </file>
 
@@ -5959,14 +5964,11 @@
                     <a:p>
                       <a:pPr algn="ctr"/>
                       <a:r>
-                        <a:rPr lang="it-IT" sz="3000" dirty="0" err="1">
+                        <a:rPr lang="it-IT" sz="3000" dirty="0">
                           <a:latin typeface="Corbel" panose="020B0503020204020204" pitchFamily="34" charset="0"/>
                         </a:rPr>
                         <a:t>RiunioneDao</a:t>
                       </a:r>
-                      <a:endParaRPr lang="it-IT" sz="3000" dirty="0">
-                        <a:latin typeface="Corbel" panose="020B0503020204020204" pitchFamily="34" charset="0"/>
-                      </a:endParaRPr>
                     </a:p>
                   </a:txBody>
                   <a:tcPr anchor="ctr"/>
